--- a/DSA/GLA Leetcode.pptx
+++ b/DSA/GLA Leetcode.pptx
@@ -7,14 +7,17 @@
   <p:sldIdLst>
     <p:sldId id="256" r:id="rId2"/>
     <p:sldId id="257" r:id="rId3"/>
-    <p:sldId id="258" r:id="rId4"/>
-    <p:sldId id="259" r:id="rId5"/>
-    <p:sldId id="260" r:id="rId6"/>
-    <p:sldId id="261" r:id="rId7"/>
-    <p:sldId id="262" r:id="rId8"/>
-    <p:sldId id="263" r:id="rId9"/>
-    <p:sldId id="264" r:id="rId10"/>
-    <p:sldId id="265" r:id="rId11"/>
+    <p:sldId id="267" r:id="rId4"/>
+    <p:sldId id="258" r:id="rId5"/>
+    <p:sldId id="266" r:id="rId6"/>
+    <p:sldId id="259" r:id="rId7"/>
+    <p:sldId id="260" r:id="rId8"/>
+    <p:sldId id="262" r:id="rId9"/>
+    <p:sldId id="261" r:id="rId10"/>
+    <p:sldId id="268" r:id="rId11"/>
+    <p:sldId id="263" r:id="rId12"/>
+    <p:sldId id="264" r:id="rId13"/>
+    <p:sldId id="265" r:id="rId14"/>
   </p:sldIdLst>
   <p:sldSz cx="12192000" cy="6858000"/>
   <p:notesSz cx="6858000" cy="9144000"/>
@@ -124,17 +127,47 @@
         <p14:section name="LCM 3770 : Largest Prime from Consecutive Prime Sum" id="{E1BC54A3-BBBD-43B7-A171-7EDD6E836B5A}">
           <p14:sldIdLst>
             <p14:sldId id="257"/>
+          </p14:sldIdLst>
+        </p14:section>
+        <p14:section name="LCE2696 : Minimum String Length After Removing Substrings" id="{4B9CB377-0F37-4BE4-8A4E-97CAF0FA9F94}">
+          <p14:sldIdLst>
+            <p14:sldId id="267"/>
             <p14:sldId id="258"/>
+          </p14:sldIdLst>
+        </p14:section>
+        <p14:section name="Approach 1" id="{B5E36EA6-D423-41A7-9C3A-7F31621E784F}">
+          <p14:sldIdLst>
+            <p14:sldId id="266"/>
+          </p14:sldIdLst>
+        </p14:section>
+        <p14:section name="Approach 2" id="{69F88C9B-42CE-487B-A45E-D7A374E9CD8B}">
+          <p14:sldIdLst>
             <p14:sldId id="259"/>
+          </p14:sldIdLst>
+        </p14:section>
+        <p14:section name="Approach 3" id="{854FCE00-203F-4466-8C1B-1119BADCB609}">
+          <p14:sldIdLst>
             <p14:sldId id="260"/>
+          </p14:sldIdLst>
+        </p14:section>
+        <p14:section name="LCM 907 : Sum of Subarray Minimums" id="{E9DE71CA-7707-40CC-B9EC-51DEA92A1AFB}">
+          <p14:sldIdLst>
+            <p14:sldId id="262"/>
             <p14:sldId id="261"/>
-            <p14:sldId id="262"/>
+            <p14:sldId id="268"/>
+          </p14:sldIdLst>
+        </p14:section>
+        <p14:section name="Approach 1: Brute Force (TLE)" id="{B6C07C53-4334-498B-BC03-532F834F98B5}">
+          <p14:sldIdLst>
             <p14:sldId id="263"/>
             <p14:sldId id="264"/>
             <p14:sldId id="265"/>
           </p14:sldIdLst>
         </p14:section>
       </p14:sectionLst>
+    </p:ext>
+    <p:ext uri="{EFAFB233-063F-42B5-8137-9DF3F51BA10A}">
+      <p15:sldGuideLst xmlns:p15="http://schemas.microsoft.com/office/powerpoint/2012/main"/>
     </p:ext>
   </p:extLst>
 </p:presentation>
@@ -289,7 +322,7 @@
           <a:p>
             <a:fld id="{7A1504AF-6681-4380-8885-09FD87CF2E62}" type="datetimeFigureOut">
               <a:rPr lang="en-IN" smtClean="0"/>
-              <a:t>13-01-2026</a:t>
+              <a:t>22-01-2026</a:t>
             </a:fld>
             <a:endParaRPr lang="en-IN"/>
           </a:p>
@@ -489,7 +522,7 @@
           <a:p>
             <a:fld id="{7A1504AF-6681-4380-8885-09FD87CF2E62}" type="datetimeFigureOut">
               <a:rPr lang="en-IN" smtClean="0"/>
-              <a:t>13-01-2026</a:t>
+              <a:t>22-01-2026</a:t>
             </a:fld>
             <a:endParaRPr lang="en-IN"/>
           </a:p>
@@ -699,7 +732,7 @@
           <a:p>
             <a:fld id="{7A1504AF-6681-4380-8885-09FD87CF2E62}" type="datetimeFigureOut">
               <a:rPr lang="en-IN" smtClean="0"/>
-              <a:t>13-01-2026</a:t>
+              <a:t>22-01-2026</a:t>
             </a:fld>
             <a:endParaRPr lang="en-IN"/>
           </a:p>
@@ -899,7 +932,7 @@
           <a:p>
             <a:fld id="{7A1504AF-6681-4380-8885-09FD87CF2E62}" type="datetimeFigureOut">
               <a:rPr lang="en-IN" smtClean="0"/>
-              <a:t>13-01-2026</a:t>
+              <a:t>22-01-2026</a:t>
             </a:fld>
             <a:endParaRPr lang="en-IN"/>
           </a:p>
@@ -1175,7 +1208,7 @@
           <a:p>
             <a:fld id="{7A1504AF-6681-4380-8885-09FD87CF2E62}" type="datetimeFigureOut">
               <a:rPr lang="en-IN" smtClean="0"/>
-              <a:t>13-01-2026</a:t>
+              <a:t>22-01-2026</a:t>
             </a:fld>
             <a:endParaRPr lang="en-IN"/>
           </a:p>
@@ -1443,7 +1476,7 @@
           <a:p>
             <a:fld id="{7A1504AF-6681-4380-8885-09FD87CF2E62}" type="datetimeFigureOut">
               <a:rPr lang="en-IN" smtClean="0"/>
-              <a:t>13-01-2026</a:t>
+              <a:t>22-01-2026</a:t>
             </a:fld>
             <a:endParaRPr lang="en-IN"/>
           </a:p>
@@ -1858,7 +1891,7 @@
           <a:p>
             <a:fld id="{7A1504AF-6681-4380-8885-09FD87CF2E62}" type="datetimeFigureOut">
               <a:rPr lang="en-IN" smtClean="0"/>
-              <a:t>13-01-2026</a:t>
+              <a:t>22-01-2026</a:t>
             </a:fld>
             <a:endParaRPr lang="en-IN"/>
           </a:p>
@@ -2000,7 +2033,7 @@
           <a:p>
             <a:fld id="{7A1504AF-6681-4380-8885-09FD87CF2E62}" type="datetimeFigureOut">
               <a:rPr lang="en-IN" smtClean="0"/>
-              <a:t>13-01-2026</a:t>
+              <a:t>22-01-2026</a:t>
             </a:fld>
             <a:endParaRPr lang="en-IN"/>
           </a:p>
@@ -2113,7 +2146,7 @@
           <a:p>
             <a:fld id="{7A1504AF-6681-4380-8885-09FD87CF2E62}" type="datetimeFigureOut">
               <a:rPr lang="en-IN" smtClean="0"/>
-              <a:t>13-01-2026</a:t>
+              <a:t>22-01-2026</a:t>
             </a:fld>
             <a:endParaRPr lang="en-IN"/>
           </a:p>
@@ -2426,7 +2459,7 @@
           <a:p>
             <a:fld id="{7A1504AF-6681-4380-8885-09FD87CF2E62}" type="datetimeFigureOut">
               <a:rPr lang="en-IN" smtClean="0"/>
-              <a:t>13-01-2026</a:t>
+              <a:t>22-01-2026</a:t>
             </a:fld>
             <a:endParaRPr lang="en-IN"/>
           </a:p>
@@ -2715,7 +2748,7 @@
           <a:p>
             <a:fld id="{7A1504AF-6681-4380-8885-09FD87CF2E62}" type="datetimeFigureOut">
               <a:rPr lang="en-IN" smtClean="0"/>
-              <a:t>13-01-2026</a:t>
+              <a:t>22-01-2026</a:t>
             </a:fld>
             <a:endParaRPr lang="en-IN"/>
           </a:p>
@@ -2958,7 +2991,7 @@
           <a:p>
             <a:fld id="{7A1504AF-6681-4380-8885-09FD87CF2E62}" type="datetimeFigureOut">
               <a:rPr lang="en-IN" smtClean="0"/>
-              <a:t>13-01-2026</a:t>
+              <a:t>22-01-2026</a:t>
             </a:fld>
             <a:endParaRPr lang="en-IN"/>
           </a:p>
@@ -3455,6 +3488,156 @@
           <a:chExt cx="0" cy="0"/>
         </a:xfrm>
       </p:grpSpPr>
+      <p:pic>
+        <p:nvPicPr>
+          <p:cNvPr id="3" name="Picture 2">
+            <a:extLst>
+              <a:ext uri="{FF2B5EF4-FFF2-40B4-BE49-F238E27FC236}">
+                <a16:creationId xmlns:a16="http://schemas.microsoft.com/office/drawing/2014/main" id="{B7DB7695-48BB-4F0D-8D82-2C06553F86A5}"/>
+              </a:ext>
+            </a:extLst>
+          </p:cNvPr>
+          <p:cNvPicPr>
+            <a:picLocks noChangeAspect="1"/>
+          </p:cNvPicPr>
+          <p:nvPr/>
+        </p:nvPicPr>
+        <p:blipFill>
+          <a:blip r:embed="rId2"/>
+          <a:stretch>
+            <a:fillRect/>
+          </a:stretch>
+        </p:blipFill>
+        <p:spPr>
+          <a:xfrm>
+            <a:off x="0" y="0"/>
+            <a:ext cx="12192000" cy="6858000"/>
+          </a:xfrm>
+          <a:prstGeom prst="rect">
+            <a:avLst/>
+          </a:prstGeom>
+        </p:spPr>
+      </p:pic>
+    </p:spTree>
+    <p:extLst>
+      <p:ext uri="{BB962C8B-B14F-4D97-AF65-F5344CB8AC3E}">
+        <p14:creationId xmlns:p14="http://schemas.microsoft.com/office/powerpoint/2010/main" val="2316238496"/>
+      </p:ext>
+    </p:extLst>
+  </p:cSld>
+  <p:clrMapOvr>
+    <a:masterClrMapping/>
+  </p:clrMapOvr>
+</p:sld>
+</file>
+
+<file path=ppt/slides/slide11.xml><?xml version="1.0" encoding="utf-8"?>
+<p:sld xmlns:a="http://schemas.openxmlformats.org/drawingml/2006/main" xmlns:r="http://schemas.openxmlformats.org/officeDocument/2006/relationships" xmlns:p="http://schemas.openxmlformats.org/presentationml/2006/main">
+  <p:cSld>
+    <p:spTree>
+      <p:nvGrpSpPr>
+        <p:cNvPr id="1" name=""/>
+        <p:cNvGrpSpPr/>
+        <p:nvPr/>
+      </p:nvGrpSpPr>
+      <p:grpSpPr>
+        <a:xfrm>
+          <a:off x="0" y="0"/>
+          <a:ext cx="0" cy="0"/>
+          <a:chOff x="0" y="0"/>
+          <a:chExt cx="0" cy="0"/>
+        </a:xfrm>
+      </p:grpSpPr>
+      <p:pic>
+        <p:nvPicPr>
+          <p:cNvPr id="3" name="Picture 2">
+            <a:extLst>
+              <a:ext uri="{FF2B5EF4-FFF2-40B4-BE49-F238E27FC236}">
+                <a16:creationId xmlns:a16="http://schemas.microsoft.com/office/drawing/2014/main" id="{866E77A2-EAD7-4CC5-8AA4-B077C07CDE53}"/>
+              </a:ext>
+            </a:extLst>
+          </p:cNvPr>
+          <p:cNvPicPr>
+            <a:picLocks noChangeAspect="1"/>
+          </p:cNvPicPr>
+          <p:nvPr/>
+        </p:nvPicPr>
+        <p:blipFill>
+          <a:blip r:embed="rId2"/>
+          <a:stretch>
+            <a:fillRect/>
+          </a:stretch>
+        </p:blipFill>
+        <p:spPr>
+          <a:xfrm>
+            <a:off x="2937808" y="298471"/>
+            <a:ext cx="6316384" cy="6261058"/>
+          </a:xfrm>
+          <a:prstGeom prst="rect">
+            <a:avLst/>
+          </a:prstGeom>
+        </p:spPr>
+      </p:pic>
+    </p:spTree>
+    <p:extLst>
+      <p:ext uri="{BB962C8B-B14F-4D97-AF65-F5344CB8AC3E}">
+        <p14:creationId xmlns:p14="http://schemas.microsoft.com/office/powerpoint/2010/main" val="2486655533"/>
+      </p:ext>
+    </p:extLst>
+  </p:cSld>
+  <p:clrMapOvr>
+    <a:masterClrMapping/>
+  </p:clrMapOvr>
+</p:sld>
+</file>
+
+<file path=ppt/slides/slide12.xml><?xml version="1.0" encoding="utf-8"?>
+<p:sld xmlns:a="http://schemas.openxmlformats.org/drawingml/2006/main" xmlns:r="http://schemas.openxmlformats.org/officeDocument/2006/relationships" xmlns:p="http://schemas.openxmlformats.org/presentationml/2006/main">
+  <p:cSld>
+    <p:spTree>
+      <p:nvGrpSpPr>
+        <p:cNvPr id="1" name=""/>
+        <p:cNvGrpSpPr/>
+        <p:nvPr/>
+      </p:nvGrpSpPr>
+      <p:grpSpPr>
+        <a:xfrm>
+          <a:off x="0" y="0"/>
+          <a:ext cx="0" cy="0"/>
+          <a:chOff x="0" y="0"/>
+          <a:chExt cx="0" cy="0"/>
+        </a:xfrm>
+      </p:grpSpPr>
+    </p:spTree>
+    <p:extLst>
+      <p:ext uri="{BB962C8B-B14F-4D97-AF65-F5344CB8AC3E}">
+        <p14:creationId xmlns:p14="http://schemas.microsoft.com/office/powerpoint/2010/main" val="585912736"/>
+      </p:ext>
+    </p:extLst>
+  </p:cSld>
+  <p:clrMapOvr>
+    <a:masterClrMapping/>
+  </p:clrMapOvr>
+</p:sld>
+</file>
+
+<file path=ppt/slides/slide13.xml><?xml version="1.0" encoding="utf-8"?>
+<p:sld xmlns:a="http://schemas.openxmlformats.org/drawingml/2006/main" xmlns:r="http://schemas.openxmlformats.org/officeDocument/2006/relationships" xmlns:p="http://schemas.openxmlformats.org/presentationml/2006/main">
+  <p:cSld>
+    <p:spTree>
+      <p:nvGrpSpPr>
+        <p:cNvPr id="1" name=""/>
+        <p:cNvGrpSpPr/>
+        <p:nvPr/>
+      </p:nvGrpSpPr>
+      <p:grpSpPr>
+        <a:xfrm>
+          <a:off x="0" y="0"/>
+          <a:ext cx="0" cy="0"/>
+          <a:chOff x="0" y="0"/>
+          <a:chExt cx="0" cy="0"/>
+        </a:xfrm>
+      </p:grpSpPr>
     </p:spTree>
     <p:extLst>
       <p:ext uri="{BB962C8B-B14F-4D97-AF65-F5344CB8AC3E}">
@@ -3545,10 +3728,40 @@
           <a:chExt cx="0" cy="0"/>
         </a:xfrm>
       </p:grpSpPr>
+      <p:pic>
+        <p:nvPicPr>
+          <p:cNvPr id="3" name="Picture 2">
+            <a:extLst>
+              <a:ext uri="{FF2B5EF4-FFF2-40B4-BE49-F238E27FC236}">
+                <a16:creationId xmlns:a16="http://schemas.microsoft.com/office/drawing/2014/main" id="{613F7656-5904-4141-981B-5853D76EAAE9}"/>
+              </a:ext>
+            </a:extLst>
+          </p:cNvPr>
+          <p:cNvPicPr>
+            <a:picLocks noChangeAspect="1"/>
+          </p:cNvPicPr>
+          <p:nvPr/>
+        </p:nvPicPr>
+        <p:blipFill>
+          <a:blip r:embed="rId2"/>
+          <a:stretch>
+            <a:fillRect/>
+          </a:stretch>
+        </p:blipFill>
+        <p:spPr>
+          <a:xfrm>
+            <a:off x="0" y="0"/>
+            <a:ext cx="12192000" cy="6858000"/>
+          </a:xfrm>
+          <a:prstGeom prst="rect">
+            <a:avLst/>
+          </a:prstGeom>
+        </p:spPr>
+      </p:pic>
     </p:spTree>
     <p:extLst>
       <p:ext uri="{BB962C8B-B14F-4D97-AF65-F5344CB8AC3E}">
-        <p14:creationId xmlns:p14="http://schemas.microsoft.com/office/powerpoint/2010/main" val="4236743486"/>
+        <p14:creationId xmlns:p14="http://schemas.microsoft.com/office/powerpoint/2010/main" val="1011069826"/>
       </p:ext>
     </p:extLst>
   </p:cSld>
@@ -3575,10 +3788,40 @@
           <a:chExt cx="0" cy="0"/>
         </a:xfrm>
       </p:grpSpPr>
+      <p:pic>
+        <p:nvPicPr>
+          <p:cNvPr id="3" name="Picture 2">
+            <a:extLst>
+              <a:ext uri="{FF2B5EF4-FFF2-40B4-BE49-F238E27FC236}">
+                <a16:creationId xmlns:a16="http://schemas.microsoft.com/office/drawing/2014/main" id="{BB84F603-677C-4E20-81FF-68A4F94815FB}"/>
+              </a:ext>
+            </a:extLst>
+          </p:cNvPr>
+          <p:cNvPicPr>
+            <a:picLocks noChangeAspect="1"/>
+          </p:cNvPicPr>
+          <p:nvPr/>
+        </p:nvPicPr>
+        <p:blipFill>
+          <a:blip r:embed="rId2"/>
+          <a:stretch>
+            <a:fillRect/>
+          </a:stretch>
+        </p:blipFill>
+        <p:spPr>
+          <a:xfrm>
+            <a:off x="0" y="0"/>
+            <a:ext cx="12192000" cy="6858000"/>
+          </a:xfrm>
+          <a:prstGeom prst="rect">
+            <a:avLst/>
+          </a:prstGeom>
+        </p:spPr>
+      </p:pic>
     </p:spTree>
     <p:extLst>
       <p:ext uri="{BB962C8B-B14F-4D97-AF65-F5344CB8AC3E}">
-        <p14:creationId xmlns:p14="http://schemas.microsoft.com/office/powerpoint/2010/main" val="1920543655"/>
+        <p14:creationId xmlns:p14="http://schemas.microsoft.com/office/powerpoint/2010/main" val="4236743486"/>
       </p:ext>
     </p:extLst>
   </p:cSld>
@@ -3605,10 +3848,40 @@
           <a:chExt cx="0" cy="0"/>
         </a:xfrm>
       </p:grpSpPr>
+      <p:pic>
+        <p:nvPicPr>
+          <p:cNvPr id="3" name="Picture 2">
+            <a:extLst>
+              <a:ext uri="{FF2B5EF4-FFF2-40B4-BE49-F238E27FC236}">
+                <a16:creationId xmlns:a16="http://schemas.microsoft.com/office/drawing/2014/main" id="{CDE03F93-C449-4CA4-BE12-001D3FA61F13}"/>
+              </a:ext>
+            </a:extLst>
+          </p:cNvPr>
+          <p:cNvPicPr>
+            <a:picLocks noChangeAspect="1"/>
+          </p:cNvPicPr>
+          <p:nvPr/>
+        </p:nvPicPr>
+        <p:blipFill>
+          <a:blip r:embed="rId2"/>
+          <a:stretch>
+            <a:fillRect/>
+          </a:stretch>
+        </p:blipFill>
+        <p:spPr>
+          <a:xfrm>
+            <a:off x="1512593" y="188887"/>
+            <a:ext cx="9166815" cy="6480224"/>
+          </a:xfrm>
+          <a:prstGeom prst="rect">
+            <a:avLst/>
+          </a:prstGeom>
+        </p:spPr>
+      </p:pic>
     </p:spTree>
     <p:extLst>
       <p:ext uri="{BB962C8B-B14F-4D97-AF65-F5344CB8AC3E}">
-        <p14:creationId xmlns:p14="http://schemas.microsoft.com/office/powerpoint/2010/main" val="2629787356"/>
+        <p14:creationId xmlns:p14="http://schemas.microsoft.com/office/powerpoint/2010/main" val="445010297"/>
       </p:ext>
     </p:extLst>
   </p:cSld>
@@ -3635,10 +3908,40 @@
           <a:chExt cx="0" cy="0"/>
         </a:xfrm>
       </p:grpSpPr>
+      <p:pic>
+        <p:nvPicPr>
+          <p:cNvPr id="3" name="Picture 2">
+            <a:extLst>
+              <a:ext uri="{FF2B5EF4-FFF2-40B4-BE49-F238E27FC236}">
+                <a16:creationId xmlns:a16="http://schemas.microsoft.com/office/drawing/2014/main" id="{01B47F78-B0C0-42EE-99DA-A027040C8840}"/>
+              </a:ext>
+            </a:extLst>
+          </p:cNvPr>
+          <p:cNvPicPr>
+            <a:picLocks noChangeAspect="1"/>
+          </p:cNvPicPr>
+          <p:nvPr/>
+        </p:nvPicPr>
+        <p:blipFill>
+          <a:blip r:embed="rId2"/>
+          <a:stretch>
+            <a:fillRect/>
+          </a:stretch>
+        </p:blipFill>
+        <p:spPr>
+          <a:xfrm>
+            <a:off x="3312935" y="171267"/>
+            <a:ext cx="5566130" cy="6496613"/>
+          </a:xfrm>
+          <a:prstGeom prst="rect">
+            <a:avLst/>
+          </a:prstGeom>
+        </p:spPr>
+      </p:pic>
     </p:spTree>
     <p:extLst>
       <p:ext uri="{BB962C8B-B14F-4D97-AF65-F5344CB8AC3E}">
-        <p14:creationId xmlns:p14="http://schemas.microsoft.com/office/powerpoint/2010/main" val="1213343510"/>
+        <p14:creationId xmlns:p14="http://schemas.microsoft.com/office/powerpoint/2010/main" val="1920543655"/>
       </p:ext>
     </p:extLst>
   </p:cSld>
@@ -3665,10 +3968,40 @@
           <a:chExt cx="0" cy="0"/>
         </a:xfrm>
       </p:grpSpPr>
+      <p:pic>
+        <p:nvPicPr>
+          <p:cNvPr id="3" name="Picture 2">
+            <a:extLst>
+              <a:ext uri="{FF2B5EF4-FFF2-40B4-BE49-F238E27FC236}">
+                <a16:creationId xmlns:a16="http://schemas.microsoft.com/office/drawing/2014/main" id="{3AE6BE9E-39AF-4F2A-977F-BC3E05AACDB4}"/>
+              </a:ext>
+            </a:extLst>
+          </p:cNvPr>
+          <p:cNvPicPr>
+            <a:picLocks noChangeAspect="1"/>
+          </p:cNvPicPr>
+          <p:nvPr/>
+        </p:nvPicPr>
+        <p:blipFill>
+          <a:blip r:embed="rId2"/>
+          <a:stretch>
+            <a:fillRect/>
+          </a:stretch>
+        </p:blipFill>
+        <p:spPr>
+          <a:xfrm>
+            <a:off x="2358267" y="238994"/>
+            <a:ext cx="7475465" cy="6380010"/>
+          </a:xfrm>
+          <a:prstGeom prst="rect">
+            <a:avLst/>
+          </a:prstGeom>
+        </p:spPr>
+      </p:pic>
     </p:spTree>
     <p:extLst>
       <p:ext uri="{BB962C8B-B14F-4D97-AF65-F5344CB8AC3E}">
-        <p14:creationId xmlns:p14="http://schemas.microsoft.com/office/powerpoint/2010/main" val="2563005452"/>
+        <p14:creationId xmlns:p14="http://schemas.microsoft.com/office/powerpoint/2010/main" val="2629787356"/>
       </p:ext>
     </p:extLst>
   </p:cSld>
@@ -3695,10 +4028,40 @@
           <a:chExt cx="0" cy="0"/>
         </a:xfrm>
       </p:grpSpPr>
+      <p:pic>
+        <p:nvPicPr>
+          <p:cNvPr id="3" name="Picture 2">
+            <a:extLst>
+              <a:ext uri="{FF2B5EF4-FFF2-40B4-BE49-F238E27FC236}">
+                <a16:creationId xmlns:a16="http://schemas.microsoft.com/office/drawing/2014/main" id="{5F0C4F34-91BE-4032-9D92-3A8D9789DFA6}"/>
+              </a:ext>
+            </a:extLst>
+          </p:cNvPr>
+          <p:cNvPicPr>
+            <a:picLocks noChangeAspect="1"/>
+          </p:cNvPicPr>
+          <p:nvPr/>
+        </p:nvPicPr>
+        <p:blipFill>
+          <a:blip r:embed="rId2"/>
+          <a:stretch>
+            <a:fillRect/>
+          </a:stretch>
+        </p:blipFill>
+        <p:spPr>
+          <a:xfrm>
+            <a:off x="0" y="0"/>
+            <a:ext cx="12192000" cy="6858000"/>
+          </a:xfrm>
+          <a:prstGeom prst="rect">
+            <a:avLst/>
+          </a:prstGeom>
+        </p:spPr>
+      </p:pic>
     </p:spTree>
     <p:extLst>
       <p:ext uri="{BB962C8B-B14F-4D97-AF65-F5344CB8AC3E}">
-        <p14:creationId xmlns:p14="http://schemas.microsoft.com/office/powerpoint/2010/main" val="2486655533"/>
+        <p14:creationId xmlns:p14="http://schemas.microsoft.com/office/powerpoint/2010/main" val="2563005452"/>
       </p:ext>
     </p:extLst>
   </p:cSld>
@@ -3725,10 +4088,40 @@
           <a:chExt cx="0" cy="0"/>
         </a:xfrm>
       </p:grpSpPr>
+      <p:pic>
+        <p:nvPicPr>
+          <p:cNvPr id="3" name="Picture 2">
+            <a:extLst>
+              <a:ext uri="{FF2B5EF4-FFF2-40B4-BE49-F238E27FC236}">
+                <a16:creationId xmlns:a16="http://schemas.microsoft.com/office/drawing/2014/main" id="{56E1BC32-3114-4C08-A7E4-F57CB06DACB5}"/>
+              </a:ext>
+            </a:extLst>
+          </p:cNvPr>
+          <p:cNvPicPr>
+            <a:picLocks noChangeAspect="1"/>
+          </p:cNvPicPr>
+          <p:nvPr/>
+        </p:nvPicPr>
+        <p:blipFill>
+          <a:blip r:embed="rId2"/>
+          <a:stretch>
+            <a:fillRect/>
+          </a:stretch>
+        </p:blipFill>
+        <p:spPr>
+          <a:xfrm>
+            <a:off x="0" y="0"/>
+            <a:ext cx="12192000" cy="6858000"/>
+          </a:xfrm>
+          <a:prstGeom prst="rect">
+            <a:avLst/>
+          </a:prstGeom>
+        </p:spPr>
+      </p:pic>
     </p:spTree>
     <p:extLst>
       <p:ext uri="{BB962C8B-B14F-4D97-AF65-F5344CB8AC3E}">
-        <p14:creationId xmlns:p14="http://schemas.microsoft.com/office/powerpoint/2010/main" val="585912736"/>
+        <p14:creationId xmlns:p14="http://schemas.microsoft.com/office/powerpoint/2010/main" val="1213343510"/>
       </p:ext>
     </p:extLst>
   </p:cSld>
